--- a/document files/03_DB모델링/_DB설계_최종_PPT.pptx
+++ b/document files/03_DB모델링/_DB설계_최종_PPT.pptx
@@ -5,7 +5,7 @@
     <p:sldMasterId id="2147483758" r:id="rId1"/>
   </p:sldMasterIdLst>
   <p:notesMasterIdLst>
-    <p:notesMasterId r:id="rId34"/>
+    <p:notesMasterId r:id="rId32"/>
   </p:notesMasterIdLst>
   <p:sldIdLst>
     <p:sldId id="256" r:id="rId2"/>
@@ -38,8 +38,6 @@
     <p:sldId id="284" r:id="rId29"/>
     <p:sldId id="285" r:id="rId30"/>
     <p:sldId id="286" r:id="rId31"/>
-    <p:sldId id="287" r:id="rId32"/>
-    <p:sldId id="288" r:id="rId33"/>
   </p:sldIdLst>
   <p:sldSz cx="12192000" cy="6858000"/>
   <p:notesSz cx="6858000" cy="9144000"/>
@@ -647,115 +645,6 @@
 </p:notes>
 </file>
 
-<file path=ppt/notesSlides/notesSlide10.xml><?xml version="1.0" encoding="utf-8"?>
-<p:notes xmlns:a="http://schemas.openxmlformats.org/drawingml/2006/main" xmlns:r="http://schemas.openxmlformats.org/officeDocument/2006/relationships" xmlns:p="http://schemas.openxmlformats.org/presentationml/2006/main">
-  <p:cSld>
-    <p:spTree>
-      <p:nvGrpSpPr>
-        <p:cNvPr id="1" name=""/>
-        <p:cNvGrpSpPr/>
-        <p:nvPr/>
-      </p:nvGrpSpPr>
-      <p:grpSpPr>
-        <a:xfrm>
-          <a:off x="0" y="0"/>
-          <a:ext cx="0" cy="0"/>
-          <a:chOff x="0" y="0"/>
-          <a:chExt cx="0" cy="0"/>
-        </a:xfrm>
-      </p:grpSpPr>
-      <p:sp>
-        <p:nvSpPr>
-          <p:cNvPr id="2" name="슬라이드 이미지 개체 틀 1"/>
-          <p:cNvSpPr>
-            <a:spLocks noGrp="1" noRot="1" noChangeAspect="1" noTextEdit="1"/>
-          </p:cNvSpPr>
-          <p:nvPr>
-            <p:ph type="sldImg"/>
-          </p:nvPr>
-        </p:nvSpPr>
-        <p:spPr/>
-      </p:sp>
-      <p:sp>
-        <p:nvSpPr>
-          <p:cNvPr id="3" name="슬라이드 노트 개체 틀 2"/>
-          <p:cNvSpPr>
-            <a:spLocks noGrp="1"/>
-          </p:cNvSpPr>
-          <p:nvPr>
-            <p:ph type="body" idx="1"/>
-          </p:nvPr>
-        </p:nvSpPr>
-        <p:spPr/>
-        <p:txBody>
-          <a:bodyPr/>
-          <a:lstStyle/>
-          <a:p>
-            <a:pPr lvl="0">
-              <a:defRPr/>
-            </a:pPr>
-            <a:r>
-              <a:rPr lang="ko-KR" altLang="en-US"/>
-              <a:t>그렇다면</a:t>
-            </a:r>
-            <a:r>
-              <a:rPr lang="en-US" altLang="ko-KR"/>
-              <a:t>, </a:t>
-            </a:r>
-            <a:r>
-              <a:rPr lang="ko-KR" altLang="en-US"/>
-              <a:t>저희가 준비한 프로젝트의 구현화면을 간략히 보여드리도록 하겠습니다</a:t>
-            </a:r>
-            <a:r>
-              <a:rPr lang="en-US" altLang="ko-KR"/>
-              <a:t>.</a:t>
-            </a:r>
-            <a:endParaRPr lang="ko-KR" altLang="en-US"/>
-          </a:p>
-        </p:txBody>
-      </p:sp>
-      <p:sp>
-        <p:nvSpPr>
-          <p:cNvPr id="4" name="슬라이드 번호 개체 틀 3"/>
-          <p:cNvSpPr>
-            <a:spLocks noGrp="1"/>
-          </p:cNvSpPr>
-          <p:nvPr>
-            <p:ph type="sldNum" sz="quarter" idx="5"/>
-          </p:nvPr>
-        </p:nvSpPr>
-        <p:spPr/>
-        <p:txBody>
-          <a:bodyPr/>
-          <a:lstStyle/>
-          <a:p>
-            <a:pPr lvl="0">
-              <a:defRPr/>
-            </a:pPr>
-            <a:fld id="{B1FEE3AA-CAFF-4A96-8A81-3700A09D728A}" type="slidenum">
-              <a:rPr lang="en-US" altLang="en-US"/>
-              <a:pPr lvl="0">
-                <a:defRPr/>
-              </a:pPr>
-              <a:t>32</a:t>
-            </a:fld>
-            <a:endParaRPr lang="en-US" altLang="en-US"/>
-          </a:p>
-        </p:txBody>
-      </p:sp>
-    </p:spTree>
-    <p:extLst>
-      <p:ext uri="{BB962C8B-B14F-4D97-AF65-F5344CB8AC3E}">
-        <p14:creationId xmlns:p14="http://schemas.microsoft.com/office/powerpoint/2010/main" val="2352110283"/>
-      </p:ext>
-    </p:extLst>
-  </p:cSld>
-  <p:clrMapOvr>
-    <a:masterClrMapping/>
-  </p:clrMapOvr>
-</p:notes>
-</file>
-
 <file path=ppt/notesSlides/notesSlide2.xml><?xml version="1.0" encoding="utf-8"?>
 <p:notes xmlns:a="http://schemas.openxmlformats.org/drawingml/2006/main" xmlns:r="http://schemas.openxmlformats.org/officeDocument/2006/relationships" xmlns:p="http://schemas.openxmlformats.org/presentationml/2006/main">
   <p:cSld>
@@ -1494,115 +1383,6 @@
     <p:extLst>
       <p:ext uri="{BB962C8B-B14F-4D97-AF65-F5344CB8AC3E}">
         <p14:creationId xmlns:p14="http://schemas.microsoft.com/office/powerpoint/2010/main" val="3837731113"/>
-      </p:ext>
-    </p:extLst>
-  </p:cSld>
-  <p:clrMapOvr>
-    <a:masterClrMapping/>
-  </p:clrMapOvr>
-</p:notes>
-</file>
-
-<file path=ppt/notesSlides/notesSlide9.xml><?xml version="1.0" encoding="utf-8"?>
-<p:notes xmlns:a="http://schemas.openxmlformats.org/drawingml/2006/main" xmlns:r="http://schemas.openxmlformats.org/officeDocument/2006/relationships" xmlns:p="http://schemas.openxmlformats.org/presentationml/2006/main">
-  <p:cSld>
-    <p:spTree>
-      <p:nvGrpSpPr>
-        <p:cNvPr id="1" name=""/>
-        <p:cNvGrpSpPr/>
-        <p:nvPr/>
-      </p:nvGrpSpPr>
-      <p:grpSpPr>
-        <a:xfrm>
-          <a:off x="0" y="0"/>
-          <a:ext cx="0" cy="0"/>
-          <a:chOff x="0" y="0"/>
-          <a:chExt cx="0" cy="0"/>
-        </a:xfrm>
-      </p:grpSpPr>
-      <p:sp>
-        <p:nvSpPr>
-          <p:cNvPr id="2" name="슬라이드 이미지 개체 틀 1"/>
-          <p:cNvSpPr>
-            <a:spLocks noGrp="1" noRot="1" noChangeAspect="1" noTextEdit="1"/>
-          </p:cNvSpPr>
-          <p:nvPr>
-            <p:ph type="sldImg"/>
-          </p:nvPr>
-        </p:nvSpPr>
-        <p:spPr/>
-      </p:sp>
-      <p:sp>
-        <p:nvSpPr>
-          <p:cNvPr id="3" name="슬라이드 노트 개체 틀 2"/>
-          <p:cNvSpPr>
-            <a:spLocks noGrp="1"/>
-          </p:cNvSpPr>
-          <p:nvPr>
-            <p:ph type="body" idx="1"/>
-          </p:nvPr>
-        </p:nvSpPr>
-        <p:spPr/>
-        <p:txBody>
-          <a:bodyPr/>
-          <a:lstStyle/>
-          <a:p>
-            <a:pPr lvl="0">
-              <a:defRPr/>
-            </a:pPr>
-            <a:r>
-              <a:rPr lang="ko-KR" altLang="en-US"/>
-              <a:t>그렇다면</a:t>
-            </a:r>
-            <a:r>
-              <a:rPr lang="en-US" altLang="ko-KR"/>
-              <a:t>, </a:t>
-            </a:r>
-            <a:r>
-              <a:rPr lang="ko-KR" altLang="en-US"/>
-              <a:t>저희가 준비한 프로젝트의 구현화면을 간략히 보여드리도록 하겠습니다</a:t>
-            </a:r>
-            <a:r>
-              <a:rPr lang="en-US" altLang="ko-KR"/>
-              <a:t>.</a:t>
-            </a:r>
-            <a:endParaRPr lang="ko-KR" altLang="en-US"/>
-          </a:p>
-        </p:txBody>
-      </p:sp>
-      <p:sp>
-        <p:nvSpPr>
-          <p:cNvPr id="4" name="슬라이드 번호 개체 틀 3"/>
-          <p:cNvSpPr>
-            <a:spLocks noGrp="1"/>
-          </p:cNvSpPr>
-          <p:nvPr>
-            <p:ph type="sldNum" sz="quarter" idx="5"/>
-          </p:nvPr>
-        </p:nvSpPr>
-        <p:spPr/>
-        <p:txBody>
-          <a:bodyPr/>
-          <a:lstStyle/>
-          <a:p>
-            <a:pPr lvl="0">
-              <a:defRPr/>
-            </a:pPr>
-            <a:fld id="{B1FEE3AA-CAFF-4A96-8A81-3700A09D728A}" type="slidenum">
-              <a:rPr lang="en-US" altLang="en-US"/>
-              <a:pPr lvl="0">
-                <a:defRPr/>
-              </a:pPr>
-              <a:t>31</a:t>
-            </a:fld>
-            <a:endParaRPr lang="en-US" altLang="en-US"/>
-          </a:p>
-        </p:txBody>
-      </p:sp>
-    </p:spTree>
-    <p:extLst>
-      <p:ext uri="{BB962C8B-B14F-4D97-AF65-F5344CB8AC3E}">
-        <p14:creationId xmlns:p14="http://schemas.microsoft.com/office/powerpoint/2010/main" val="1062233758"/>
       </p:ext>
     </p:extLst>
   </p:cSld>
@@ -15441,338 +15221,6 @@
       <p:transition/>
     </mc:Choice>
     <mc:Fallback xmlns="" xmlns:c="http://schemas.openxmlformats.org/drawingml/2006/chart" xmlns:dgm="http://schemas.openxmlformats.org/drawingml/2006/diagram" xmlns:dsp="http://schemas.microsoft.com/office/drawing/2008/diagram">
-      <p:transition/>
-    </mc:Fallback>
-  </mc:AlternateContent>
-</p:sld>
-</file>
-
-<file path=ppt/slides/slide31.xml><?xml version="1.0" encoding="utf-8"?>
-<p:sld xmlns:a="http://schemas.openxmlformats.org/drawingml/2006/main" xmlns:r="http://schemas.openxmlformats.org/officeDocument/2006/relationships" xmlns:p="http://schemas.openxmlformats.org/presentationml/2006/main">
-  <p:cSld>
-    <p:spTree>
-      <p:nvGrpSpPr>
-        <p:cNvPr id="1" name=""/>
-        <p:cNvGrpSpPr/>
-        <p:nvPr/>
-      </p:nvGrpSpPr>
-      <p:grpSpPr>
-        <a:xfrm>
-          <a:off x="0" y="0"/>
-          <a:ext cx="0" cy="0"/>
-          <a:chOff x="0" y="0"/>
-          <a:chExt cx="0" cy="0"/>
-        </a:xfrm>
-      </p:grpSpPr>
-      <p:sp>
-        <p:nvSpPr>
-          <p:cNvPr id="4" name="직사각형 3"/>
-          <p:cNvSpPr/>
-          <p:nvPr/>
-        </p:nvSpPr>
-        <p:spPr>
-          <a:xfrm>
-            <a:off x="0" y="-1"/>
-            <a:ext cx="12297508" cy="808893"/>
-          </a:xfrm>
-          <a:prstGeom prst="rect">
-            <a:avLst/>
-          </a:prstGeom>
-          <a:solidFill>
-            <a:srgbClr val="602C08">
-              <a:alpha val="83000"/>
-            </a:srgbClr>
-          </a:solidFill>
-          <a:ln>
-            <a:noFill/>
-          </a:ln>
-        </p:spPr>
-        <p:style>
-          <a:lnRef idx="2">
-            <a:schemeClr val="accent1">
-              <a:shade val="50000"/>
-            </a:schemeClr>
-          </a:lnRef>
-          <a:fillRef idx="1">
-            <a:schemeClr val="accent1"/>
-          </a:fillRef>
-          <a:effectRef idx="0">
-            <a:schemeClr val="accent1"/>
-          </a:effectRef>
-          <a:fontRef idx="minor">
-            <a:schemeClr val="lt1"/>
-          </a:fontRef>
-        </p:style>
-        <p:txBody>
-          <a:bodyPr anchor="ctr"/>
-          <a:lstStyle/>
-          <a:p>
-            <a:pPr lvl="0">
-              <a:defRPr/>
-            </a:pPr>
-            <a:r>
-              <a:rPr lang="ko-KR" altLang="en-US" sz="4800">
-                <a:latin typeface="나눔명조 ExtraBold"/>
-                <a:ea typeface="나눔명조 ExtraBold"/>
-                <a:cs typeface="Segoe UI Semibold"/>
-              </a:rPr>
-              <a:t> </a:t>
-            </a:r>
-            <a:r>
-              <a:rPr lang="ko-KR" altLang="en-US" sz="3600">
-                <a:latin typeface="나눔명조 ExtraBold"/>
-                <a:ea typeface="나눔명조 ExtraBold"/>
-                <a:cs typeface="Segoe UI Semibold"/>
-              </a:rPr>
-              <a:t>회의사진  </a:t>
-            </a:r>
-          </a:p>
-        </p:txBody>
-      </p:sp>
-      <p:sp>
-        <p:nvSpPr>
-          <p:cNvPr id="9" name="TextBox 8"/>
-          <p:cNvSpPr txBox="1"/>
-          <p:nvPr/>
-        </p:nvSpPr>
-        <p:spPr>
-          <a:xfrm>
-            <a:off x="8337603" y="4044458"/>
-            <a:ext cx="3338583" cy="449437"/>
-          </a:xfrm>
-          <a:prstGeom prst="rect">
-            <a:avLst/>
-          </a:prstGeom>
-          <a:noFill/>
-        </p:spPr>
-        <p:txBody>
-          <a:bodyPr wrap="square">
-            <a:spAutoFit/>
-          </a:bodyPr>
-          <a:lstStyle/>
-          <a:p>
-            <a:pPr marL="0" marR="0" lvl="0" indent="0" algn="ctr" defTabSz="914400" rtl="0" eaLnBrk="1" latinLnBrk="1" hangingPunct="1">
-              <a:lnSpc>
-                <a:spcPct val="100000"/>
-              </a:lnSpc>
-              <a:spcBef>
-                <a:spcPts val="0"/>
-              </a:spcBef>
-              <a:spcAft>
-                <a:spcPts val="0"/>
-              </a:spcAft>
-              <a:buClrTx/>
-              <a:buFontTx/>
-              <a:buNone/>
-              <a:defRPr/>
-            </a:pPr>
-            <a:r>
-              <a:rPr kumimoji="0" lang="ko-KR" altLang="en-US" sz="2400" b="0" i="0" u="none" strike="noStrike" kern="1200" cap="none" spc="0" normalizeH="0" baseline="0">
-                <a:solidFill>
-                  <a:prstClr val="black">
-                    <a:lumMod val="75000"/>
-                    <a:lumOff val="25000"/>
-                  </a:prstClr>
-                </a:solidFill>
-                <a:effectLst/>
-                <a:uLnTx/>
-                <a:uFillTx/>
-                <a:latin typeface="나눔스퀘어OTF_ac ExtraBold"/>
-                <a:ea typeface="나눔스퀘어OTF_ac ExtraBold"/>
-                <a:cs typeface="+mn-cs"/>
-              </a:rPr>
-              <a:t> </a:t>
-            </a:r>
-            <a:endParaRPr kumimoji="0" lang="ko-KR" altLang="en-US" sz="2400" b="0" i="0" u="none" strike="noStrike" kern="1200" cap="none" spc="0" normalizeH="0" baseline="0">
-              <a:solidFill>
-                <a:prstClr val="black">
-                  <a:lumMod val="75000"/>
-                  <a:lumOff val="25000"/>
-                </a:prstClr>
-              </a:solidFill>
-              <a:latin typeface="나눔스퀘어OTF_ac ExtraBold"/>
-              <a:ea typeface="나눔스퀘어OTF_ac ExtraBold"/>
-              <a:cs typeface="+mn-cs"/>
-            </a:endParaRPr>
-          </a:p>
-        </p:txBody>
-      </p:sp>
-    </p:spTree>
-  </p:cSld>
-  <p:clrMapOvr>
-    <a:masterClrMapping/>
-  </p:clrMapOvr>
-  <mc:AlternateContent xmlns:mc="http://schemas.openxmlformats.org/markup-compatibility/2006" xmlns:p14="http://schemas.microsoft.com/office/powerpoint/2010/main">
-    <mc:Choice Requires="p14">
-      <p:transition/>
-    </mc:Choice>
-    <mc:Fallback xmlns:dsp="http://schemas.microsoft.com/office/drawing/2008/diagram" xmlns:dgm="http://schemas.openxmlformats.org/drawingml/2006/diagram" xmlns:c="http://schemas.openxmlformats.org/drawingml/2006/chart" xmlns="">
-      <p:transition/>
-    </mc:Fallback>
-  </mc:AlternateContent>
-</p:sld>
-</file>
-
-<file path=ppt/slides/slide32.xml><?xml version="1.0" encoding="utf-8"?>
-<p:sld xmlns:a="http://schemas.openxmlformats.org/drawingml/2006/main" xmlns:r="http://schemas.openxmlformats.org/officeDocument/2006/relationships" xmlns:p="http://schemas.openxmlformats.org/presentationml/2006/main">
-  <p:cSld>
-    <p:spTree>
-      <p:nvGrpSpPr>
-        <p:cNvPr id="1" name=""/>
-        <p:cNvGrpSpPr/>
-        <p:nvPr/>
-      </p:nvGrpSpPr>
-      <p:grpSpPr>
-        <a:xfrm>
-          <a:off x="0" y="0"/>
-          <a:ext cx="0" cy="0"/>
-          <a:chOff x="0" y="0"/>
-          <a:chExt cx="0" cy="0"/>
-        </a:xfrm>
-      </p:grpSpPr>
-      <p:sp>
-        <p:nvSpPr>
-          <p:cNvPr id="4" name="직사각형 3"/>
-          <p:cNvSpPr/>
-          <p:nvPr/>
-        </p:nvSpPr>
-        <p:spPr>
-          <a:xfrm>
-            <a:off x="0" y="-1"/>
-            <a:ext cx="12297508" cy="808893"/>
-          </a:xfrm>
-          <a:prstGeom prst="rect">
-            <a:avLst/>
-          </a:prstGeom>
-          <a:solidFill>
-            <a:srgbClr val="602C08">
-              <a:alpha val="83000"/>
-            </a:srgbClr>
-          </a:solidFill>
-          <a:ln>
-            <a:noFill/>
-          </a:ln>
-        </p:spPr>
-        <p:style>
-          <a:lnRef idx="2">
-            <a:schemeClr val="accent1">
-              <a:shade val="50000"/>
-            </a:schemeClr>
-          </a:lnRef>
-          <a:fillRef idx="1">
-            <a:schemeClr val="accent1"/>
-          </a:fillRef>
-          <a:effectRef idx="0">
-            <a:schemeClr val="accent1"/>
-          </a:effectRef>
-          <a:fontRef idx="minor">
-            <a:schemeClr val="lt1"/>
-          </a:fontRef>
-        </p:style>
-        <p:txBody>
-          <a:bodyPr anchor="ctr"/>
-          <a:lstStyle/>
-          <a:p>
-            <a:pPr lvl="0">
-              <a:defRPr/>
-            </a:pPr>
-            <a:r>
-              <a:rPr lang="ko-KR" altLang="en-US" sz="4800">
-                <a:latin typeface="나눔명조 ExtraBold"/>
-                <a:ea typeface="나눔명조 ExtraBold"/>
-                <a:cs typeface="Segoe UI Semibold"/>
-              </a:rPr>
-              <a:t> </a:t>
-            </a:r>
-            <a:r>
-              <a:rPr lang="ko-KR" altLang="en-US" sz="3600">
-                <a:latin typeface="나눔명조 ExtraBold"/>
-                <a:ea typeface="나눔명조 ExtraBold"/>
-                <a:cs typeface="Segoe UI Semibold"/>
-              </a:rPr>
-              <a:t>회의사진  </a:t>
-            </a:r>
-          </a:p>
-        </p:txBody>
-      </p:sp>
-      <p:sp>
-        <p:nvSpPr>
-          <p:cNvPr id="9" name="TextBox 8"/>
-          <p:cNvSpPr txBox="1"/>
-          <p:nvPr/>
-        </p:nvSpPr>
-        <p:spPr>
-          <a:xfrm>
-            <a:off x="8022568" y="4044458"/>
-            <a:ext cx="3338583" cy="449437"/>
-          </a:xfrm>
-          <a:prstGeom prst="rect">
-            <a:avLst/>
-          </a:prstGeom>
-          <a:noFill/>
-        </p:spPr>
-        <p:txBody>
-          <a:bodyPr wrap="square">
-            <a:spAutoFit/>
-          </a:bodyPr>
-          <a:lstStyle/>
-          <a:p>
-            <a:pPr marL="0" marR="0" lvl="0" indent="0" algn="ctr" defTabSz="914400" rtl="0" eaLnBrk="1" latinLnBrk="1" hangingPunct="1">
-              <a:lnSpc>
-                <a:spcPct val="100000"/>
-              </a:lnSpc>
-              <a:spcBef>
-                <a:spcPts val="0"/>
-              </a:spcBef>
-              <a:spcAft>
-                <a:spcPts val="0"/>
-              </a:spcAft>
-              <a:buClrTx/>
-              <a:buFontTx/>
-              <a:buNone/>
-              <a:defRPr/>
-            </a:pPr>
-            <a:r>
-              <a:rPr kumimoji="0" lang="ko-KR" altLang="en-US" sz="2400" b="0" i="0" u="none" strike="noStrike" kern="1200" cap="none" spc="0" normalizeH="0" baseline="0">
-                <a:solidFill>
-                  <a:prstClr val="black">
-                    <a:lumMod val="75000"/>
-                    <a:lumOff val="25000"/>
-                  </a:prstClr>
-                </a:solidFill>
-                <a:effectLst/>
-                <a:uLnTx/>
-                <a:uFillTx/>
-                <a:latin typeface="나눔스퀘어OTF_ac ExtraBold"/>
-                <a:ea typeface="나눔스퀘어OTF_ac ExtraBold"/>
-                <a:cs typeface="+mn-cs"/>
-              </a:rPr>
-              <a:t>첫 회의 시작 </a:t>
-            </a:r>
-            <a:endParaRPr kumimoji="0" lang="ko-KR" altLang="en-US" sz="2400" b="0" i="0" u="none" strike="noStrike" kern="1200" cap="none" spc="0" normalizeH="0" baseline="0">
-              <a:solidFill>
-                <a:prstClr val="black">
-                  <a:lumMod val="75000"/>
-                  <a:lumOff val="25000"/>
-                </a:prstClr>
-              </a:solidFill>
-              <a:latin typeface="나눔스퀘어OTF_ac ExtraBold"/>
-              <a:ea typeface="나눔스퀘어OTF_ac ExtraBold"/>
-              <a:cs typeface="+mn-cs"/>
-            </a:endParaRPr>
-          </a:p>
-        </p:txBody>
-      </p:sp>
-    </p:spTree>
-  </p:cSld>
-  <p:clrMapOvr>
-    <a:masterClrMapping/>
-  </p:clrMapOvr>
-  <mc:AlternateContent xmlns:mc="http://schemas.openxmlformats.org/markup-compatibility/2006" xmlns:p14="http://schemas.microsoft.com/office/powerpoint/2010/main">
-    <mc:Choice Requires="p14">
-      <p:transition/>
-    </mc:Choice>
-    <mc:Fallback xmlns:dsp="http://schemas.microsoft.com/office/drawing/2008/diagram" xmlns:dgm="http://schemas.openxmlformats.org/drawingml/2006/diagram" xmlns:c="http://schemas.openxmlformats.org/drawingml/2006/chart" xmlns="">
       <p:transition/>
     </mc:Fallback>
   </mc:AlternateContent>
